--- a/ch09/第9章 1_内部类.pptx
+++ b/ch09/第9章 1_内部类.pptx
@@ -4491,11 +4491,7 @@
           <a:p>
             <a:r>
               <a:rPr lang="zh-CN" altLang="en-US" dirty="0" smtClean="0"/>
-              <a:t>第九章  内</a:t>
-            </a:r>
-            <a:r>
-              <a:rPr lang="zh-CN" altLang="en-US" dirty="0" smtClean="0"/>
-              <a:t>部类</a:t>
+              <a:t>第九章  内部类</a:t>
             </a:r>
             <a:endParaRPr lang="zh-CN" altLang="en-US" dirty="0"/>
           </a:p>
@@ -4605,11 +4601,7 @@
             </a:pPr>
             <a:r>
               <a:rPr lang="zh-CN" altLang="en-US" dirty="0" smtClean="0"/>
-              <a:t>可以访问外包方法之外的外部类之内的所有成员。还可以访问所在外包方法中的</a:t>
-            </a:r>
-            <a:r>
-              <a:rPr lang="zh-CN" altLang="en-US" dirty="0" smtClean="0"/>
-              <a:t>参数。</a:t>
+              <a:t>可以访问外包方法之外的外部类之内的所有成员。还可以访问所在外包方法中的参数。</a:t>
             </a:r>
             <a:endParaRPr lang="en-US" altLang="zh-CN" dirty="0" smtClean="0"/>
           </a:p>
@@ -6994,15 +6986,7 @@
             </a:pPr>
             <a:r>
               <a:rPr lang="zh-CN" altLang="en-US" dirty="0" smtClean="0"/>
-              <a:t>什么场景下使用</a:t>
-            </a:r>
-            <a:r>
-              <a:rPr lang="zh-CN" altLang="en-US" dirty="0" smtClean="0"/>
-              <a:t>内</a:t>
-            </a:r>
-            <a:r>
-              <a:rPr lang="zh-CN" altLang="en-US" dirty="0" smtClean="0"/>
-              <a:t>部类？</a:t>
+              <a:t>什么场景下使用内部类？</a:t>
             </a:r>
             <a:endParaRPr lang="en-US" altLang="zh-CN" dirty="0" smtClean="0"/>
           </a:p>
@@ -7014,11 +6998,7 @@
             </a:pPr>
             <a:r>
               <a:rPr lang="zh-CN" altLang="en-US" dirty="0" smtClean="0"/>
-              <a:t>内</a:t>
-            </a:r>
-            <a:r>
-              <a:rPr lang="zh-CN" altLang="en-US" dirty="0" smtClean="0"/>
-              <a:t>部类的语法、特点。</a:t>
+              <a:t>内部类的语法、特点。</a:t>
             </a:r>
             <a:endParaRPr lang="en-US" altLang="zh-CN" dirty="0" smtClean="0"/>
           </a:p>
@@ -7318,8 +7298,8 @@
         </p:nvSpPr>
         <p:spPr>
           <a:xfrm>
-            <a:off x="4727848" y="1160749"/>
-            <a:ext cx="3528392" cy="4965415"/>
+            <a:off x="609600" y="1160749"/>
+            <a:ext cx="7646640" cy="4965415"/>
           </a:xfrm>
         </p:spPr>
         <p:txBody>
@@ -7613,11 +7593,7 @@
             </a:r>
             <a:r>
               <a:rPr lang="zh-CN" altLang="en-US" dirty="0" smtClean="0"/>
-              <a:t>还要小的访问权限</a:t>
-            </a:r>
-            <a:r>
-              <a:rPr lang="zh-CN" altLang="en-US" dirty="0" smtClean="0"/>
-              <a:t>。</a:t>
+              <a:t>还要小的访问权限。</a:t>
             </a:r>
             <a:endParaRPr lang="en-US" altLang="zh-CN" dirty="0" smtClean="0"/>
           </a:p>
@@ -10647,11 +10623,31 @@
             </a:pPr>
             <a:r>
               <a:rPr lang="zh-CN" altLang="en-US" dirty="0" smtClean="0"/>
-              <a:t>在内部类中访问内部类变量：</a:t>
+              <a:t>在内部类中访问内部类变量</a:t>
+            </a:r>
+            <a:r>
+              <a:rPr lang="zh-CN" altLang="en-US" dirty="0" smtClean="0"/>
+              <a:t>：</a:t>
+            </a:r>
+            <a:r>
+              <a:rPr lang="en-US" altLang="zh-CN" smtClean="0"/>
+              <a:t>[</a:t>
+            </a:r>
+            <a:r>
+              <a:rPr lang="zh-CN" altLang="en-US" smtClean="0"/>
+              <a:t>内</a:t>
+            </a:r>
+            <a:r>
+              <a:rPr lang="zh-CN" altLang="en-US" dirty="0" smtClean="0"/>
+              <a:t>部类名</a:t>
             </a:r>
             <a:r>
               <a:rPr lang="en-US" altLang="zh-CN" dirty="0" smtClean="0"/>
-              <a:t>this.</a:t>
+              <a:t>.]this</a:t>
+            </a:r>
+            <a:r>
+              <a:rPr lang="en-US" altLang="zh-CN" dirty="0" smtClean="0"/>
+              <a:t>.</a:t>
             </a:r>
             <a:r>
               <a:rPr lang="zh-CN" altLang="en-US" dirty="0" smtClean="0"/>
